--- a/asset/bathtub-safari/bathtub-safari_cn.pptx
+++ b/asset/bathtub-safari/bathtub-safari_cn.pptx
@@ -21,6 +21,7 @@
     <p:sldId id="263" r:id="rId15"/>
     <p:sldId id="262" r:id="rId16"/>
     <p:sldId id="261" r:id="rId17"/>
+    <p:sldId id="273" r:id="rId18"/>
   </p:sldIdLst>
   <p:sldSz cx="14392275" cy="7200900"/>
   <p:notesSz cx="6858000" cy="9144000"/>
@@ -274,7 +275,7 @@
           <a:p>
             <a:fld id="{1DB6A051-8D23-457B-983C-2D588DCFE1A0}" type="datetimeFigureOut">
               <a:rPr lang="zh-CN" altLang="en-US" smtClean="0"/>
-              <a:t>2021/3/15</a:t>
+              <a:t>2021/4/2</a:t>
             </a:fld>
             <a:endParaRPr lang="zh-CN" altLang="en-US"/>
           </a:p>
@@ -472,7 +473,7 @@
           <a:p>
             <a:fld id="{1DB6A051-8D23-457B-983C-2D588DCFE1A0}" type="datetimeFigureOut">
               <a:rPr lang="zh-CN" altLang="en-US" smtClean="0"/>
-              <a:t>2021/3/15</a:t>
+              <a:t>2021/4/2</a:t>
             </a:fld>
             <a:endParaRPr lang="zh-CN" altLang="en-US"/>
           </a:p>
@@ -680,7 +681,7 @@
           <a:p>
             <a:fld id="{1DB6A051-8D23-457B-983C-2D588DCFE1A0}" type="datetimeFigureOut">
               <a:rPr lang="zh-CN" altLang="en-US" smtClean="0"/>
-              <a:t>2021/3/15</a:t>
+              <a:t>2021/4/2</a:t>
             </a:fld>
             <a:endParaRPr lang="zh-CN" altLang="en-US"/>
           </a:p>
@@ -878,7 +879,7 @@
           <a:p>
             <a:fld id="{1DB6A051-8D23-457B-983C-2D588DCFE1A0}" type="datetimeFigureOut">
               <a:rPr lang="zh-CN" altLang="en-US" smtClean="0"/>
-              <a:t>2021/3/15</a:t>
+              <a:t>2021/4/2</a:t>
             </a:fld>
             <a:endParaRPr lang="zh-CN" altLang="en-US"/>
           </a:p>
@@ -1153,7 +1154,7 @@
           <a:p>
             <a:fld id="{1DB6A051-8D23-457B-983C-2D588DCFE1A0}" type="datetimeFigureOut">
               <a:rPr lang="zh-CN" altLang="en-US" smtClean="0"/>
-              <a:t>2021/3/15</a:t>
+              <a:t>2021/4/2</a:t>
             </a:fld>
             <a:endParaRPr lang="zh-CN" altLang="en-US"/>
           </a:p>
@@ -1418,7 +1419,7 @@
           <a:p>
             <a:fld id="{1DB6A051-8D23-457B-983C-2D588DCFE1A0}" type="datetimeFigureOut">
               <a:rPr lang="zh-CN" altLang="en-US" smtClean="0"/>
-              <a:t>2021/3/15</a:t>
+              <a:t>2021/4/2</a:t>
             </a:fld>
             <a:endParaRPr lang="zh-CN" altLang="en-US"/>
           </a:p>
@@ -1830,7 +1831,7 @@
           <a:p>
             <a:fld id="{1DB6A051-8D23-457B-983C-2D588DCFE1A0}" type="datetimeFigureOut">
               <a:rPr lang="zh-CN" altLang="en-US" smtClean="0"/>
-              <a:t>2021/3/15</a:t>
+              <a:t>2021/4/2</a:t>
             </a:fld>
             <a:endParaRPr lang="zh-CN" altLang="en-US"/>
           </a:p>
@@ -1971,7 +1972,7 @@
           <a:p>
             <a:fld id="{1DB6A051-8D23-457B-983C-2D588DCFE1A0}" type="datetimeFigureOut">
               <a:rPr lang="zh-CN" altLang="en-US" smtClean="0"/>
-              <a:t>2021/3/15</a:t>
+              <a:t>2021/4/2</a:t>
             </a:fld>
             <a:endParaRPr lang="zh-CN" altLang="en-US"/>
           </a:p>
@@ -2084,7 +2085,7 @@
           <a:p>
             <a:fld id="{1DB6A051-8D23-457B-983C-2D588DCFE1A0}" type="datetimeFigureOut">
               <a:rPr lang="zh-CN" altLang="en-US" smtClean="0"/>
-              <a:t>2021/3/15</a:t>
+              <a:t>2021/4/2</a:t>
             </a:fld>
             <a:endParaRPr lang="zh-CN" altLang="en-US"/>
           </a:p>
@@ -2395,7 +2396,7 @@
           <a:p>
             <a:fld id="{1DB6A051-8D23-457B-983C-2D588DCFE1A0}" type="datetimeFigureOut">
               <a:rPr lang="zh-CN" altLang="en-US" smtClean="0"/>
-              <a:t>2021/3/15</a:t>
+              <a:t>2021/4/2</a:t>
             </a:fld>
             <a:endParaRPr lang="zh-CN" altLang="en-US"/>
           </a:p>
@@ -2683,7 +2684,7 @@
           <a:p>
             <a:fld id="{1DB6A051-8D23-457B-983C-2D588DCFE1A0}" type="datetimeFigureOut">
               <a:rPr lang="zh-CN" altLang="en-US" smtClean="0"/>
-              <a:t>2021/3/15</a:t>
+              <a:t>2021/4/2</a:t>
             </a:fld>
             <a:endParaRPr lang="zh-CN" altLang="en-US"/>
           </a:p>
@@ -2924,7 +2925,7 @@
           <a:p>
             <a:fld id="{1DB6A051-8D23-457B-983C-2D588DCFE1A0}" type="datetimeFigureOut">
               <a:rPr lang="zh-CN" altLang="en-US" smtClean="0"/>
-              <a:t>2021/3/15</a:t>
+              <a:t>2021/4/2</a:t>
             </a:fld>
             <a:endParaRPr lang="zh-CN" altLang="en-US"/>
           </a:p>
@@ -3413,6 +3414,48 @@
           </a:prstGeom>
         </p:spPr>
       </p:pic>
+      <p:sp>
+        <p:nvSpPr>
+          <p:cNvPr id="2" name="文本框 1">
+            <a:extLst>
+              <a:ext uri="{FF2B5EF4-FFF2-40B4-BE49-F238E27FC236}">
+                <a16:creationId xmlns:a16="http://schemas.microsoft.com/office/drawing/2014/main" id="{5876C0D5-756B-4BE7-867C-85A596E217D5}"/>
+              </a:ext>
+            </a:extLst>
+          </p:cNvPr>
+          <p:cNvSpPr txBox="1"/>
+          <p:nvPr/>
+        </p:nvSpPr>
+        <p:spPr>
+          <a:xfrm>
+            <a:off x="4036741" y="3138785"/>
+            <a:ext cx="1763624" cy="461665"/>
+          </a:xfrm>
+          <a:prstGeom prst="rect">
+            <a:avLst/>
+          </a:prstGeom>
+          <a:noFill/>
+        </p:spPr>
+        <p:txBody>
+          <a:bodyPr wrap="none" rtlCol="0">
+            <a:spAutoFit/>
+          </a:bodyPr>
+          <a:lstStyle/>
+          <a:p>
+            <a:r>
+              <a:rPr lang="zh-CN" altLang="en-US" sz="2400" b="1">
+                <a:solidFill>
+                  <a:schemeClr val="tx2">
+                    <a:lumMod val="60000"/>
+                    <a:lumOff val="40000"/>
+                  </a:schemeClr>
+                </a:solidFill>
+              </a:rPr>
+              <a:t>浴缸大冒险</a:t>
+            </a:r>
+          </a:p>
+        </p:txBody>
+      </p:sp>
     </p:spTree>
     <p:extLst>
       <p:ext uri="{BB962C8B-B14F-4D97-AF65-F5344CB8AC3E}">
@@ -3479,6 +3522,96 @@
           </a:prstGeom>
         </p:spPr>
       </p:pic>
+      <p:sp>
+        <p:nvSpPr>
+          <p:cNvPr id="3" name="文本框 2">
+            <a:extLst>
+              <a:ext uri="{FF2B5EF4-FFF2-40B4-BE49-F238E27FC236}">
+                <a16:creationId xmlns:a16="http://schemas.microsoft.com/office/drawing/2014/main" id="{53B829AF-4D71-42AE-B810-D4EBD27BF050}"/>
+              </a:ext>
+            </a:extLst>
+          </p:cNvPr>
+          <p:cNvSpPr txBox="1"/>
+          <p:nvPr/>
+        </p:nvSpPr>
+        <p:spPr>
+          <a:xfrm>
+            <a:off x="646771" y="981307"/>
+            <a:ext cx="3262432" cy="581249"/>
+          </a:xfrm>
+          <a:prstGeom prst="rect">
+            <a:avLst/>
+          </a:prstGeom>
+          <a:noFill/>
+        </p:spPr>
+        <p:txBody>
+          <a:bodyPr wrap="none" rtlCol="0">
+            <a:spAutoFit/>
+          </a:bodyPr>
+          <a:lstStyle/>
+          <a:p>
+            <a:pPr algn="l">
+              <a:lnSpc>
+                <a:spcPct val="150000"/>
+              </a:lnSpc>
+            </a:pPr>
+            <a:r>
+              <a:rPr lang="zh-CN" altLang="en-US" sz="2400"/>
+              <a:t>有轰隆轰隆的声音</a:t>
+            </a:r>
+            <a:r>
+              <a:rPr lang="en-US" altLang="zh-CN" sz="2400"/>
+              <a:t>……</a:t>
+            </a:r>
+            <a:endParaRPr lang="zh-CN" altLang="en-US" sz="2400"/>
+          </a:p>
+        </p:txBody>
+      </p:sp>
+      <p:sp>
+        <p:nvSpPr>
+          <p:cNvPr id="4" name="文本框 3">
+            <a:extLst>
+              <a:ext uri="{FF2B5EF4-FFF2-40B4-BE49-F238E27FC236}">
+                <a16:creationId xmlns:a16="http://schemas.microsoft.com/office/drawing/2014/main" id="{3EAB2103-F5DB-44FF-B6EC-01FED8580993}"/>
+              </a:ext>
+            </a:extLst>
+          </p:cNvPr>
+          <p:cNvSpPr txBox="1"/>
+          <p:nvPr/>
+        </p:nvSpPr>
+        <p:spPr>
+          <a:xfrm>
+            <a:off x="4348975" y="5921298"/>
+            <a:ext cx="2031325" cy="581249"/>
+          </a:xfrm>
+          <a:prstGeom prst="rect">
+            <a:avLst/>
+          </a:prstGeom>
+          <a:noFill/>
+        </p:spPr>
+        <p:txBody>
+          <a:bodyPr wrap="none" rtlCol="0">
+            <a:spAutoFit/>
+          </a:bodyPr>
+          <a:lstStyle/>
+          <a:p>
+            <a:pPr algn="l">
+              <a:lnSpc>
+                <a:spcPct val="150000"/>
+              </a:lnSpc>
+            </a:pPr>
+            <a:r>
+              <a:rPr lang="zh-CN" altLang="en-US" sz="2400"/>
+              <a:t>越来越高</a:t>
+            </a:r>
+            <a:r>
+              <a:rPr lang="en-US" altLang="zh-CN" sz="2400"/>
+              <a:t>……</a:t>
+            </a:r>
+            <a:endParaRPr lang="zh-CN" altLang="en-US" sz="2400"/>
+          </a:p>
+        </p:txBody>
+      </p:sp>
     </p:spTree>
     <p:extLst>
       <p:ext uri="{BB962C8B-B14F-4D97-AF65-F5344CB8AC3E}">
@@ -3545,6 +3678,46 @@
           </a:prstGeom>
         </p:spPr>
       </p:pic>
+      <p:sp>
+        <p:nvSpPr>
+          <p:cNvPr id="3" name="文本框 2">
+            <a:extLst>
+              <a:ext uri="{FF2B5EF4-FFF2-40B4-BE49-F238E27FC236}">
+                <a16:creationId xmlns:a16="http://schemas.microsoft.com/office/drawing/2014/main" id="{2E623567-1D40-40A6-9C35-36843333A16B}"/>
+              </a:ext>
+            </a:extLst>
+          </p:cNvPr>
+          <p:cNvSpPr txBox="1"/>
+          <p:nvPr/>
+        </p:nvSpPr>
+        <p:spPr>
+          <a:xfrm>
+            <a:off x="3010829" y="2207941"/>
+            <a:ext cx="2441694" cy="988732"/>
+          </a:xfrm>
+          <a:prstGeom prst="rect">
+            <a:avLst/>
+          </a:prstGeom>
+          <a:noFill/>
+        </p:spPr>
+        <p:txBody>
+          <a:bodyPr wrap="none" rtlCol="0">
+            <a:spAutoFit/>
+          </a:bodyPr>
+          <a:lstStyle/>
+          <a:p>
+            <a:pPr algn="l">
+              <a:lnSpc>
+                <a:spcPct val="150000"/>
+              </a:lnSpc>
+            </a:pPr>
+            <a:r>
+              <a:rPr lang="zh-CN" altLang="en-US" sz="4400"/>
+              <a:t>长颈鹿！</a:t>
+            </a:r>
+          </a:p>
+        </p:txBody>
+      </p:sp>
     </p:spTree>
     <p:extLst>
       <p:ext uri="{BB962C8B-B14F-4D97-AF65-F5344CB8AC3E}">
@@ -3611,6 +3784,96 @@
           </a:prstGeom>
         </p:spPr>
       </p:pic>
+      <p:sp>
+        <p:nvSpPr>
+          <p:cNvPr id="3" name="文本框 2">
+            <a:extLst>
+              <a:ext uri="{FF2B5EF4-FFF2-40B4-BE49-F238E27FC236}">
+                <a16:creationId xmlns:a16="http://schemas.microsoft.com/office/drawing/2014/main" id="{C91A78CF-B469-485D-BC5E-3B98B91DB345}"/>
+              </a:ext>
+            </a:extLst>
+          </p:cNvPr>
+          <p:cNvSpPr txBox="1"/>
+          <p:nvPr/>
+        </p:nvSpPr>
+        <p:spPr>
+          <a:xfrm>
+            <a:off x="1003610" y="947853"/>
+            <a:ext cx="2031325" cy="581249"/>
+          </a:xfrm>
+          <a:prstGeom prst="rect">
+            <a:avLst/>
+          </a:prstGeom>
+          <a:noFill/>
+        </p:spPr>
+        <p:txBody>
+          <a:bodyPr wrap="none" rtlCol="0">
+            <a:spAutoFit/>
+          </a:bodyPr>
+          <a:lstStyle/>
+          <a:p>
+            <a:pPr algn="l">
+              <a:lnSpc>
+                <a:spcPct val="150000"/>
+              </a:lnSpc>
+            </a:pPr>
+            <a:r>
+              <a:rPr lang="zh-CN" altLang="en-US" sz="2400"/>
+              <a:t>哗啦哗啦</a:t>
+            </a:r>
+            <a:r>
+              <a:rPr lang="en-US" altLang="zh-CN" sz="2400"/>
+              <a:t>……</a:t>
+            </a:r>
+            <a:endParaRPr lang="zh-CN" altLang="en-US" sz="2400"/>
+          </a:p>
+        </p:txBody>
+      </p:sp>
+      <p:sp>
+        <p:nvSpPr>
+          <p:cNvPr id="4" name="文本框 3">
+            <a:extLst>
+              <a:ext uri="{FF2B5EF4-FFF2-40B4-BE49-F238E27FC236}">
+                <a16:creationId xmlns:a16="http://schemas.microsoft.com/office/drawing/2014/main" id="{F572390A-9198-41EA-A2B7-4F4C04DAF076}"/>
+              </a:ext>
+            </a:extLst>
+          </p:cNvPr>
+          <p:cNvSpPr txBox="1"/>
+          <p:nvPr/>
+        </p:nvSpPr>
+        <p:spPr>
+          <a:xfrm>
+            <a:off x="5731728" y="4828478"/>
+            <a:ext cx="2031325" cy="581249"/>
+          </a:xfrm>
+          <a:prstGeom prst="rect">
+            <a:avLst/>
+          </a:prstGeom>
+          <a:noFill/>
+        </p:spPr>
+        <p:txBody>
+          <a:bodyPr wrap="none" rtlCol="0">
+            <a:spAutoFit/>
+          </a:bodyPr>
+          <a:lstStyle/>
+          <a:p>
+            <a:pPr algn="l">
+              <a:lnSpc>
+                <a:spcPct val="150000"/>
+              </a:lnSpc>
+            </a:pPr>
+            <a:r>
+              <a:rPr lang="zh-CN" altLang="en-US" sz="2400"/>
+              <a:t>在吐泡泡</a:t>
+            </a:r>
+            <a:r>
+              <a:rPr lang="en-US" altLang="zh-CN" sz="2400"/>
+              <a:t>……</a:t>
+            </a:r>
+            <a:endParaRPr lang="zh-CN" altLang="en-US" sz="2400"/>
+          </a:p>
+        </p:txBody>
+      </p:sp>
     </p:spTree>
     <p:extLst>
       <p:ext uri="{BB962C8B-B14F-4D97-AF65-F5344CB8AC3E}">
@@ -3677,6 +3940,91 @@
           </a:prstGeom>
         </p:spPr>
       </p:pic>
+      <p:sp>
+        <p:nvSpPr>
+          <p:cNvPr id="3" name="文本框 2">
+            <a:extLst>
+              <a:ext uri="{FF2B5EF4-FFF2-40B4-BE49-F238E27FC236}">
+                <a16:creationId xmlns:a16="http://schemas.microsoft.com/office/drawing/2014/main" id="{22538BC7-0EDA-4D76-9A55-279A3AB804AF}"/>
+              </a:ext>
+            </a:extLst>
+          </p:cNvPr>
+          <p:cNvSpPr txBox="1"/>
+          <p:nvPr/>
+        </p:nvSpPr>
+        <p:spPr>
+          <a:xfrm>
+            <a:off x="2765502" y="836342"/>
+            <a:ext cx="2236510" cy="907236"/>
+          </a:xfrm>
+          <a:prstGeom prst="rect">
+            <a:avLst/>
+          </a:prstGeom>
+          <a:noFill/>
+        </p:spPr>
+        <p:txBody>
+          <a:bodyPr wrap="none" rtlCol="0">
+            <a:spAutoFit/>
+          </a:bodyPr>
+          <a:lstStyle/>
+          <a:p>
+            <a:pPr algn="l">
+              <a:lnSpc>
+                <a:spcPct val="150000"/>
+              </a:lnSpc>
+            </a:pPr>
+            <a:r>
+              <a:rPr lang="zh-CN" altLang="en-US" sz="4000"/>
+              <a:t>大河马！</a:t>
+            </a:r>
+          </a:p>
+        </p:txBody>
+      </p:sp>
+      <p:sp>
+        <p:nvSpPr>
+          <p:cNvPr id="4" name="文本框 3">
+            <a:extLst>
+              <a:ext uri="{FF2B5EF4-FFF2-40B4-BE49-F238E27FC236}">
+                <a16:creationId xmlns:a16="http://schemas.microsoft.com/office/drawing/2014/main" id="{FDE6BB7F-C0A8-4E22-8F2E-8D070F538135}"/>
+              </a:ext>
+            </a:extLst>
+          </p:cNvPr>
+          <p:cNvSpPr txBox="1"/>
+          <p:nvPr/>
+        </p:nvSpPr>
+        <p:spPr>
+          <a:xfrm>
+            <a:off x="8564136" y="836342"/>
+            <a:ext cx="3262432" cy="581249"/>
+          </a:xfrm>
+          <a:prstGeom prst="rect">
+            <a:avLst/>
+          </a:prstGeom>
+          <a:noFill/>
+        </p:spPr>
+        <p:txBody>
+          <a:bodyPr wrap="none" rtlCol="0">
+            <a:spAutoFit/>
+          </a:bodyPr>
+          <a:lstStyle/>
+          <a:p>
+            <a:pPr algn="l">
+              <a:lnSpc>
+                <a:spcPct val="150000"/>
+              </a:lnSpc>
+            </a:pPr>
+            <a:r>
+              <a:rPr lang="zh-CN" altLang="en-US" sz="2400"/>
+              <a:t>后面好像藏着什么</a:t>
+            </a:r>
+            <a:r>
+              <a:rPr lang="en-US" altLang="zh-CN" sz="2400"/>
+              <a:t>……</a:t>
+            </a:r>
+            <a:endParaRPr lang="zh-CN" altLang="en-US" sz="2400"/>
+          </a:p>
+        </p:txBody>
+      </p:sp>
     </p:spTree>
     <p:extLst>
       <p:ext uri="{BB962C8B-B14F-4D97-AF65-F5344CB8AC3E}">
@@ -3743,6 +4091,46 @@
           </a:prstGeom>
         </p:spPr>
       </p:pic>
+      <p:sp>
+        <p:nvSpPr>
+          <p:cNvPr id="3" name="文本框 2">
+            <a:extLst>
+              <a:ext uri="{FF2B5EF4-FFF2-40B4-BE49-F238E27FC236}">
+                <a16:creationId xmlns:a16="http://schemas.microsoft.com/office/drawing/2014/main" id="{56384B7A-FCC9-4A2B-BFC3-6E64C0911C69}"/>
+              </a:ext>
+            </a:extLst>
+          </p:cNvPr>
+          <p:cNvSpPr txBox="1"/>
+          <p:nvPr/>
+        </p:nvSpPr>
+        <p:spPr>
+          <a:xfrm rot="20635807">
+            <a:off x="3256154" y="2819864"/>
+            <a:ext cx="1723549" cy="907236"/>
+          </a:xfrm>
+          <a:prstGeom prst="rect">
+            <a:avLst/>
+          </a:prstGeom>
+          <a:noFill/>
+        </p:spPr>
+        <p:txBody>
+          <a:bodyPr wrap="none" rtlCol="0">
+            <a:spAutoFit/>
+          </a:bodyPr>
+          <a:lstStyle/>
+          <a:p>
+            <a:pPr algn="l">
+              <a:lnSpc>
+                <a:spcPct val="150000"/>
+              </a:lnSpc>
+            </a:pPr>
+            <a:r>
+              <a:rPr lang="zh-CN" altLang="en-US" sz="4000"/>
+              <a:t>嗷呜！</a:t>
+            </a:r>
+          </a:p>
+        </p:txBody>
+      </p:sp>
     </p:spTree>
     <p:extLst>
       <p:ext uri="{BB962C8B-B14F-4D97-AF65-F5344CB8AC3E}">
@@ -3809,6 +4197,46 @@
           </a:prstGeom>
         </p:spPr>
       </p:pic>
+      <p:sp>
+        <p:nvSpPr>
+          <p:cNvPr id="3" name="文本框 2">
+            <a:extLst>
+              <a:ext uri="{FF2B5EF4-FFF2-40B4-BE49-F238E27FC236}">
+                <a16:creationId xmlns:a16="http://schemas.microsoft.com/office/drawing/2014/main" id="{EFD0AF68-194E-4C38-A6D9-A8C299074C4A}"/>
+              </a:ext>
+            </a:extLst>
+          </p:cNvPr>
+          <p:cNvSpPr txBox="1"/>
+          <p:nvPr/>
+        </p:nvSpPr>
+        <p:spPr>
+          <a:xfrm>
+            <a:off x="680225" y="5832088"/>
+            <a:ext cx="7071167" cy="581249"/>
+          </a:xfrm>
+          <a:prstGeom prst="rect">
+            <a:avLst/>
+          </a:prstGeom>
+          <a:noFill/>
+        </p:spPr>
+        <p:txBody>
+          <a:bodyPr wrap="none" rtlCol="0">
+            <a:spAutoFit/>
+          </a:bodyPr>
+          <a:lstStyle/>
+          <a:p>
+            <a:pPr algn="l">
+              <a:lnSpc>
+                <a:spcPct val="150000"/>
+              </a:lnSpc>
+            </a:pPr>
+            <a:r>
+              <a:rPr lang="zh-CN" altLang="en-US" sz="2400"/>
+              <a:t>“该出来了。希望你洗干净，可以上床睡觉了。”</a:t>
+            </a:r>
+          </a:p>
+        </p:txBody>
+      </p:sp>
     </p:spTree>
     <p:extLst>
       <p:ext uri="{BB962C8B-B14F-4D97-AF65-F5344CB8AC3E}">
@@ -3879,6 +4307,72 @@
     <p:extLst>
       <p:ext uri="{BB962C8B-B14F-4D97-AF65-F5344CB8AC3E}">
         <p14:creationId xmlns:p14="http://schemas.microsoft.com/office/powerpoint/2010/main" val="3359858700"/>
+      </p:ext>
+    </p:extLst>
+  </p:cSld>
+  <p:clrMapOvr>
+    <a:masterClrMapping/>
+  </p:clrMapOvr>
+</p:sld>
+</file>
+
+<file path=ppt/slides/slide17.xml><?xml version="1.0" encoding="utf-8"?>
+<p:sld xmlns:a="http://schemas.openxmlformats.org/drawingml/2006/main" xmlns:r="http://schemas.openxmlformats.org/officeDocument/2006/relationships" xmlns:p="http://schemas.openxmlformats.org/presentationml/2006/main">
+  <p:cSld>
+    <p:spTree>
+      <p:nvGrpSpPr>
+        <p:cNvPr id="1" name=""/>
+        <p:cNvGrpSpPr/>
+        <p:nvPr/>
+      </p:nvGrpSpPr>
+      <p:grpSpPr>
+        <a:xfrm>
+          <a:off x="0" y="0"/>
+          <a:ext cx="0" cy="0"/>
+          <a:chOff x="0" y="0"/>
+          <a:chExt cx="0" cy="0"/>
+        </a:xfrm>
+      </p:grpSpPr>
+      <p:pic>
+        <p:nvPicPr>
+          <p:cNvPr id="3" name="图片 2">
+            <a:extLst>
+              <a:ext uri="{FF2B5EF4-FFF2-40B4-BE49-F238E27FC236}">
+                <a16:creationId xmlns:a16="http://schemas.microsoft.com/office/drawing/2014/main" id="{F282E27C-BDEF-416C-BA63-DF05723484D0}"/>
+              </a:ext>
+            </a:extLst>
+          </p:cNvPr>
+          <p:cNvPicPr>
+            <a:picLocks noChangeAspect="1"/>
+          </p:cNvPicPr>
+          <p:nvPr/>
+        </p:nvPicPr>
+        <p:blipFill>
+          <a:blip r:embed="rId2">
+            <a:extLst>
+              <a:ext uri="{28A0092B-C50C-407E-A947-70E740481C1C}">
+                <a14:useLocalDpi xmlns:a14="http://schemas.microsoft.com/office/drawing/2010/main" val="0"/>
+              </a:ext>
+            </a:extLst>
+          </a:blip>
+          <a:stretch>
+            <a:fillRect/>
+          </a:stretch>
+        </p:blipFill>
+        <p:spPr>
+          <a:xfrm>
+            <a:off x="0" y="2381"/>
+            <a:ext cx="14392275" cy="7196138"/>
+          </a:xfrm>
+          <a:prstGeom prst="rect">
+            <a:avLst/>
+          </a:prstGeom>
+        </p:spPr>
+      </p:pic>
+    </p:spTree>
+    <p:extLst>
+      <p:ext uri="{BB962C8B-B14F-4D97-AF65-F5344CB8AC3E}">
+        <p14:creationId xmlns:p14="http://schemas.microsoft.com/office/powerpoint/2010/main" val="3262814800"/>
       </p:ext>
     </p:extLst>
   </p:cSld>
@@ -4139,6 +4633,126 @@
           </a:prstGeom>
         </p:spPr>
       </p:pic>
+      <p:sp>
+        <p:nvSpPr>
+          <p:cNvPr id="3" name="文本框 2">
+            <a:extLst>
+              <a:ext uri="{FF2B5EF4-FFF2-40B4-BE49-F238E27FC236}">
+                <a16:creationId xmlns:a16="http://schemas.microsoft.com/office/drawing/2014/main" id="{4719ACAE-44B5-4B48-A332-B56FDC50742E}"/>
+              </a:ext>
+            </a:extLst>
+          </p:cNvPr>
+          <p:cNvSpPr txBox="1"/>
+          <p:nvPr/>
+        </p:nvSpPr>
+        <p:spPr>
+          <a:xfrm>
+            <a:off x="4282068" y="680225"/>
+            <a:ext cx="2999678" cy="1135247"/>
+          </a:xfrm>
+          <a:prstGeom prst="rect">
+            <a:avLst/>
+          </a:prstGeom>
+          <a:noFill/>
+        </p:spPr>
+        <p:txBody>
+          <a:bodyPr wrap="square" rtlCol="0">
+            <a:spAutoFit/>
+          </a:bodyPr>
+          <a:lstStyle/>
+          <a:p>
+            <a:pPr>
+              <a:lnSpc>
+                <a:spcPct val="150000"/>
+              </a:lnSpc>
+            </a:pPr>
+            <a:r>
+              <a:rPr lang="zh-CN" altLang="en-US" sz="2400"/>
+              <a:t>洗澡时间是杰克一天中最喜欢的部分。</a:t>
+            </a:r>
+          </a:p>
+        </p:txBody>
+      </p:sp>
+      <p:sp>
+        <p:nvSpPr>
+          <p:cNvPr id="4" name="文本框 3">
+            <a:extLst>
+              <a:ext uri="{FF2B5EF4-FFF2-40B4-BE49-F238E27FC236}">
+                <a16:creationId xmlns:a16="http://schemas.microsoft.com/office/drawing/2014/main" id="{8DAC2CEC-4DF3-4F7E-B251-5B15C1C0D009}"/>
+              </a:ext>
+            </a:extLst>
+          </p:cNvPr>
+          <p:cNvSpPr txBox="1"/>
+          <p:nvPr/>
+        </p:nvSpPr>
+        <p:spPr>
+          <a:xfrm>
+            <a:off x="211873" y="5062654"/>
+            <a:ext cx="2486722" cy="1689245"/>
+          </a:xfrm>
+          <a:prstGeom prst="rect">
+            <a:avLst/>
+          </a:prstGeom>
+          <a:noFill/>
+        </p:spPr>
+        <p:txBody>
+          <a:bodyPr wrap="square" rtlCol="0">
+            <a:spAutoFit/>
+          </a:bodyPr>
+          <a:lstStyle/>
+          <a:p>
+            <a:pPr algn="l">
+              <a:lnSpc>
+                <a:spcPct val="150000"/>
+              </a:lnSpc>
+            </a:pPr>
+            <a:r>
+              <a:rPr lang="zh-CN" altLang="en-US" sz="2400"/>
+              <a:t>“我一会儿就回来。”杰克的妈妈说。</a:t>
+            </a:r>
+          </a:p>
+        </p:txBody>
+      </p:sp>
+      <p:sp>
+        <p:nvSpPr>
+          <p:cNvPr id="5" name="文本框 4">
+            <a:extLst>
+              <a:ext uri="{FF2B5EF4-FFF2-40B4-BE49-F238E27FC236}">
+                <a16:creationId xmlns:a16="http://schemas.microsoft.com/office/drawing/2014/main" id="{5EF6DFA6-128C-45C1-A0C2-CFC752F95B3A}"/>
+              </a:ext>
+            </a:extLst>
+          </p:cNvPr>
+          <p:cNvSpPr txBox="1"/>
+          <p:nvPr/>
+        </p:nvSpPr>
+        <p:spPr>
+          <a:xfrm>
+            <a:off x="7281746" y="6170650"/>
+            <a:ext cx="3570208" cy="581249"/>
+          </a:xfrm>
+          <a:prstGeom prst="rect">
+            <a:avLst/>
+          </a:prstGeom>
+          <a:noFill/>
+        </p:spPr>
+        <p:txBody>
+          <a:bodyPr wrap="none" rtlCol="0">
+            <a:spAutoFit/>
+          </a:bodyPr>
+          <a:lstStyle/>
+          <a:p>
+            <a:pPr algn="l">
+              <a:lnSpc>
+                <a:spcPct val="150000"/>
+              </a:lnSpc>
+            </a:pPr>
+            <a:r>
+              <a:rPr lang="zh-CN" altLang="en-US" sz="2400"/>
+              <a:t>“记得要洗耳朵后面。”</a:t>
+            </a:r>
+          </a:p>
+        </p:txBody>
+      </p:sp>
     </p:spTree>
     <p:extLst>
       <p:ext uri="{BB962C8B-B14F-4D97-AF65-F5344CB8AC3E}">
@@ -4205,6 +4819,91 @@
           </a:prstGeom>
         </p:spPr>
       </p:pic>
+      <p:sp>
+        <p:nvSpPr>
+          <p:cNvPr id="3" name="文本框 2">
+            <a:extLst>
+              <a:ext uri="{FF2B5EF4-FFF2-40B4-BE49-F238E27FC236}">
+                <a16:creationId xmlns:a16="http://schemas.microsoft.com/office/drawing/2014/main" id="{0D3F76F1-DEE1-4F09-B8FE-1027916E1C05}"/>
+              </a:ext>
+            </a:extLst>
+          </p:cNvPr>
+          <p:cNvSpPr txBox="1"/>
+          <p:nvPr/>
+        </p:nvSpPr>
+        <p:spPr>
+          <a:xfrm>
+            <a:off x="1137425" y="3309825"/>
+            <a:ext cx="5724644" cy="581249"/>
+          </a:xfrm>
+          <a:prstGeom prst="rect">
+            <a:avLst/>
+          </a:prstGeom>
+          <a:noFill/>
+        </p:spPr>
+        <p:txBody>
+          <a:bodyPr wrap="none" rtlCol="0">
+            <a:spAutoFit/>
+          </a:bodyPr>
+          <a:lstStyle/>
+          <a:p>
+            <a:pPr algn="l">
+              <a:lnSpc>
+                <a:spcPct val="150000"/>
+              </a:lnSpc>
+            </a:pPr>
+            <a:r>
+              <a:rPr lang="zh-CN" altLang="en-US" sz="2400"/>
+              <a:t>“哗啦”一声，我面前出现了一只尾巴！</a:t>
+            </a:r>
+          </a:p>
+        </p:txBody>
+      </p:sp>
+      <p:sp>
+        <p:nvSpPr>
+          <p:cNvPr id="4" name="文本框 3">
+            <a:extLst>
+              <a:ext uri="{FF2B5EF4-FFF2-40B4-BE49-F238E27FC236}">
+                <a16:creationId xmlns:a16="http://schemas.microsoft.com/office/drawing/2014/main" id="{F139169E-CCBF-4E23-A264-C146093D1BD0}"/>
+              </a:ext>
+            </a:extLst>
+          </p:cNvPr>
+          <p:cNvSpPr txBox="1"/>
+          <p:nvPr/>
+        </p:nvSpPr>
+        <p:spPr>
+          <a:xfrm>
+            <a:off x="10370634" y="5687122"/>
+            <a:ext cx="1415772" cy="581249"/>
+          </a:xfrm>
+          <a:prstGeom prst="rect">
+            <a:avLst/>
+          </a:prstGeom>
+          <a:noFill/>
+        </p:spPr>
+        <p:txBody>
+          <a:bodyPr wrap="none" rtlCol="0">
+            <a:spAutoFit/>
+          </a:bodyPr>
+          <a:lstStyle/>
+          <a:p>
+            <a:pPr algn="l">
+              <a:lnSpc>
+                <a:spcPct val="150000"/>
+              </a:lnSpc>
+            </a:pPr>
+            <a:r>
+              <a:rPr lang="zh-CN" altLang="en-US" sz="2400"/>
+              <a:t>然后</a:t>
+            </a:r>
+            <a:r>
+              <a:rPr lang="en-US" altLang="zh-CN" sz="2400"/>
+              <a:t>……</a:t>
+            </a:r>
+            <a:endParaRPr lang="zh-CN" altLang="en-US" sz="2400"/>
+          </a:p>
+        </p:txBody>
+      </p:sp>
     </p:spTree>
     <p:extLst>
       <p:ext uri="{BB962C8B-B14F-4D97-AF65-F5344CB8AC3E}">
@@ -4271,6 +4970,46 @@
           </a:prstGeom>
         </p:spPr>
       </p:pic>
+      <p:sp>
+        <p:nvSpPr>
+          <p:cNvPr id="3" name="文本框 2">
+            <a:extLst>
+              <a:ext uri="{FF2B5EF4-FFF2-40B4-BE49-F238E27FC236}">
+                <a16:creationId xmlns:a16="http://schemas.microsoft.com/office/drawing/2014/main" id="{66554349-5BCF-4C81-9D05-6921E08F0166}"/>
+              </a:ext>
+            </a:extLst>
+          </p:cNvPr>
+          <p:cNvSpPr txBox="1"/>
+          <p:nvPr/>
+        </p:nvSpPr>
+        <p:spPr>
+          <a:xfrm>
+            <a:off x="1405053" y="769434"/>
+            <a:ext cx="2230245" cy="1135247"/>
+          </a:xfrm>
+          <a:prstGeom prst="rect">
+            <a:avLst/>
+          </a:prstGeom>
+          <a:noFill/>
+        </p:spPr>
+        <p:txBody>
+          <a:bodyPr wrap="square" rtlCol="0">
+            <a:spAutoFit/>
+          </a:bodyPr>
+          <a:lstStyle/>
+          <a:p>
+            <a:pPr algn="l">
+              <a:lnSpc>
+                <a:spcPct val="150000"/>
+              </a:lnSpc>
+            </a:pPr>
+            <a:r>
+              <a:rPr lang="zh-CN" altLang="en-US" sz="2400"/>
+              <a:t>杰克的浴缸大冒险开始了！</a:t>
+            </a:r>
+          </a:p>
+        </p:txBody>
+      </p:sp>
     </p:spTree>
     <p:extLst>
       <p:ext uri="{BB962C8B-B14F-4D97-AF65-F5344CB8AC3E}">
@@ -4337,6 +5076,136 @@
           </a:prstGeom>
         </p:spPr>
       </p:pic>
+      <p:sp>
+        <p:nvSpPr>
+          <p:cNvPr id="2" name="文本框 1">
+            <a:extLst>
+              <a:ext uri="{FF2B5EF4-FFF2-40B4-BE49-F238E27FC236}">
+                <a16:creationId xmlns:a16="http://schemas.microsoft.com/office/drawing/2014/main" id="{E3A0B93E-DCAE-4A19-9CD0-B03D67A0FF7F}"/>
+              </a:ext>
+            </a:extLst>
+          </p:cNvPr>
+          <p:cNvSpPr txBox="1"/>
+          <p:nvPr/>
+        </p:nvSpPr>
+        <p:spPr>
+          <a:xfrm>
+            <a:off x="847493" y="3969834"/>
+            <a:ext cx="2339102" cy="581249"/>
+          </a:xfrm>
+          <a:prstGeom prst="rect">
+            <a:avLst/>
+          </a:prstGeom>
+          <a:noFill/>
+        </p:spPr>
+        <p:txBody>
+          <a:bodyPr wrap="none" rtlCol="0">
+            <a:spAutoFit/>
+          </a:bodyPr>
+          <a:lstStyle/>
+          <a:p>
+            <a:pPr algn="l">
+              <a:lnSpc>
+                <a:spcPct val="150000"/>
+              </a:lnSpc>
+            </a:pPr>
+            <a:r>
+              <a:rPr lang="zh-CN" altLang="en-US" sz="2400"/>
+              <a:t>看看什么来了！</a:t>
+            </a:r>
+          </a:p>
+        </p:txBody>
+      </p:sp>
+      <p:sp>
+        <p:nvSpPr>
+          <p:cNvPr id="3" name="文本框 2">
+            <a:extLst>
+              <a:ext uri="{FF2B5EF4-FFF2-40B4-BE49-F238E27FC236}">
+                <a16:creationId xmlns:a16="http://schemas.microsoft.com/office/drawing/2014/main" id="{02579EF7-11FE-48AB-BF42-F7E1B30A009E}"/>
+              </a:ext>
+            </a:extLst>
+          </p:cNvPr>
+          <p:cNvSpPr txBox="1"/>
+          <p:nvPr/>
+        </p:nvSpPr>
+        <p:spPr>
+          <a:xfrm>
+            <a:off x="7861610" y="1025912"/>
+            <a:ext cx="1723549" cy="581249"/>
+          </a:xfrm>
+          <a:prstGeom prst="rect">
+            <a:avLst/>
+          </a:prstGeom>
+          <a:noFill/>
+        </p:spPr>
+        <p:txBody>
+          <a:bodyPr wrap="none" rtlCol="0">
+            <a:spAutoFit/>
+          </a:bodyPr>
+          <a:lstStyle/>
+          <a:p>
+            <a:pPr algn="l">
+              <a:lnSpc>
+                <a:spcPct val="150000"/>
+              </a:lnSpc>
+            </a:pPr>
+            <a:r>
+              <a:rPr lang="zh-CN" altLang="en-US" sz="2400"/>
+              <a:t>弯弯的</a:t>
+            </a:r>
+            <a:r>
+              <a:rPr lang="en-US" altLang="zh-CN" sz="2400"/>
+              <a:t>……</a:t>
+            </a:r>
+            <a:endParaRPr lang="zh-CN" altLang="en-US" sz="2400"/>
+          </a:p>
+        </p:txBody>
+      </p:sp>
+      <p:sp>
+        <p:nvSpPr>
+          <p:cNvPr id="4" name="文本框 3">
+            <a:extLst>
+              <a:ext uri="{FF2B5EF4-FFF2-40B4-BE49-F238E27FC236}">
+                <a16:creationId xmlns:a16="http://schemas.microsoft.com/office/drawing/2014/main" id="{D23A7AAF-A79D-466D-A60C-F4036B647FD3}"/>
+              </a:ext>
+            </a:extLst>
+          </p:cNvPr>
+          <p:cNvSpPr txBox="1"/>
+          <p:nvPr/>
+        </p:nvSpPr>
+        <p:spPr>
+          <a:xfrm>
+            <a:off x="11363093" y="4260458"/>
+            <a:ext cx="1723549" cy="581249"/>
+          </a:xfrm>
+          <a:prstGeom prst="rect">
+            <a:avLst/>
+          </a:prstGeom>
+          <a:noFill/>
+        </p:spPr>
+        <p:txBody>
+          <a:bodyPr wrap="none" rtlCol="0">
+            <a:spAutoFit/>
+          </a:bodyPr>
+          <a:lstStyle/>
+          <a:p>
+            <a:pPr algn="l">
+              <a:lnSpc>
+                <a:spcPct val="150000"/>
+              </a:lnSpc>
+            </a:pPr>
+            <a:r>
+              <a:rPr lang="zh-CN" altLang="en-US" sz="2400"/>
+              <a:t>长长的</a:t>
+            </a:r>
+            <a:r>
+              <a:rPr lang="en-US" altLang="zh-CN" sz="2400"/>
+              <a:t>……</a:t>
+            </a:r>
+            <a:endParaRPr lang="zh-CN" altLang="en-US" sz="2400"/>
+          </a:p>
+        </p:txBody>
+      </p:sp>
     </p:spTree>
     <p:extLst>
       <p:ext uri="{BB962C8B-B14F-4D97-AF65-F5344CB8AC3E}">
@@ -4403,6 +5272,46 @@
           </a:prstGeom>
         </p:spPr>
       </p:pic>
+      <p:sp>
+        <p:nvSpPr>
+          <p:cNvPr id="3" name="文本框 2">
+            <a:extLst>
+              <a:ext uri="{FF2B5EF4-FFF2-40B4-BE49-F238E27FC236}">
+                <a16:creationId xmlns:a16="http://schemas.microsoft.com/office/drawing/2014/main" id="{0F33DC12-EC66-4ECF-9EE8-009FF7AD6645}"/>
+              </a:ext>
+            </a:extLst>
+          </p:cNvPr>
+          <p:cNvSpPr txBox="1"/>
+          <p:nvPr/>
+        </p:nvSpPr>
+        <p:spPr>
+          <a:xfrm>
+            <a:off x="10125307" y="3057622"/>
+            <a:ext cx="2236510" cy="907236"/>
+          </a:xfrm>
+          <a:prstGeom prst="rect">
+            <a:avLst/>
+          </a:prstGeom>
+          <a:noFill/>
+        </p:spPr>
+        <p:txBody>
+          <a:bodyPr wrap="none" rtlCol="0">
+            <a:spAutoFit/>
+          </a:bodyPr>
+          <a:lstStyle/>
+          <a:p>
+            <a:pPr algn="l">
+              <a:lnSpc>
+                <a:spcPct val="150000"/>
+              </a:lnSpc>
+            </a:pPr>
+            <a:r>
+              <a:rPr lang="zh-CN" altLang="en-US" sz="4000"/>
+              <a:t>是大象！</a:t>
+            </a:r>
+          </a:p>
+        </p:txBody>
+      </p:sp>
     </p:spTree>
     <p:extLst>
       <p:ext uri="{BB962C8B-B14F-4D97-AF65-F5344CB8AC3E}">
@@ -4457,110 +5366,16 @@
         <a:srgbClr val="954F72"/>
       </a:folHlink>
     </a:clrScheme>
-    <a:fontScheme name="Office">
+    <a:fontScheme name="思源黑体 CN Medium">
       <a:majorFont>
-        <a:latin typeface="等线 Light" panose="020F0302020204030204"/>
-        <a:ea typeface=""/>
+        <a:latin typeface="思源黑体 CN Medium"/>
+        <a:ea typeface="思源黑体 CN Medium"/>
         <a:cs typeface=""/>
-        <a:font script="Jpan" typeface="游ゴシック Light"/>
-        <a:font script="Hang" typeface="맑은 고딕"/>
-        <a:font script="Hans" typeface="等线 Light"/>
-        <a:font script="Hant" typeface="新細明體"/>
-        <a:font script="Arab" typeface="Times New Roman"/>
-        <a:font script="Hebr" typeface="Times New Roman"/>
-        <a:font script="Thai" typeface="Angsana New"/>
-        <a:font script="Ethi" typeface="Nyala"/>
-        <a:font script="Beng" typeface="Vrinda"/>
-        <a:font script="Gujr" typeface="Shruti"/>
-        <a:font script="Khmr" typeface="MoolBoran"/>
-        <a:font script="Knda" typeface="Tunga"/>
-        <a:font script="Guru" typeface="Raavi"/>
-        <a:font script="Cans" typeface="Euphemia"/>
-        <a:font script="Cher" typeface="Plantagenet Cherokee"/>
-        <a:font script="Yiii" typeface="Microsoft Yi Baiti"/>
-        <a:font script="Tibt" typeface="Microsoft Himalaya"/>
-        <a:font script="Thaa" typeface="MV Boli"/>
-        <a:font script="Deva" typeface="Mangal"/>
-        <a:font script="Telu" typeface="Gautami"/>
-        <a:font script="Taml" typeface="Latha"/>
-        <a:font script="Syrc" typeface="Estrangelo Edessa"/>
-        <a:font script="Orya" typeface="Kalinga"/>
-        <a:font script="Mlym" typeface="Kartika"/>
-        <a:font script="Laoo" typeface="DokChampa"/>
-        <a:font script="Sinh" typeface="Iskoola Pota"/>
-        <a:font script="Mong" typeface="Mongolian Baiti"/>
-        <a:font script="Viet" typeface="Times New Roman"/>
-        <a:font script="Uigh" typeface="Microsoft Uighur"/>
-        <a:font script="Geor" typeface="Sylfaen"/>
-        <a:font script="Armn" typeface="Arial"/>
-        <a:font script="Bugi" typeface="Leelawadee UI"/>
-        <a:font script="Bopo" typeface="Microsoft JhengHei"/>
-        <a:font script="Java" typeface="Javanese Text"/>
-        <a:font script="Lisu" typeface="Segoe UI"/>
-        <a:font script="Mymr" typeface="Myanmar Text"/>
-        <a:font script="Nkoo" typeface="Ebrima"/>
-        <a:font script="Olck" typeface="Nirmala UI"/>
-        <a:font script="Osma" typeface="Ebrima"/>
-        <a:font script="Phag" typeface="Phagspa"/>
-        <a:font script="Syrn" typeface="Estrangelo Edessa"/>
-        <a:font script="Syrj" typeface="Estrangelo Edessa"/>
-        <a:font script="Syre" typeface="Estrangelo Edessa"/>
-        <a:font script="Sora" typeface="Nirmala UI"/>
-        <a:font script="Tale" typeface="Microsoft Tai Le"/>
-        <a:font script="Talu" typeface="Microsoft New Tai Lue"/>
-        <a:font script="Tfng" typeface="Ebrima"/>
       </a:majorFont>
       <a:minorFont>
-        <a:latin typeface="等线" panose="020F0502020204030204"/>
-        <a:ea typeface=""/>
+        <a:latin typeface="思源黑体 CN Medium"/>
+        <a:ea typeface="思源黑体 CN Medium"/>
         <a:cs typeface=""/>
-        <a:font script="Jpan" typeface="游ゴシック"/>
-        <a:font script="Hang" typeface="맑은 고딕"/>
-        <a:font script="Hans" typeface="等线"/>
-        <a:font script="Hant" typeface="新細明體"/>
-        <a:font script="Arab" typeface="Arial"/>
-        <a:font script="Hebr" typeface="Arial"/>
-        <a:font script="Thai" typeface="Cordia New"/>
-        <a:font script="Ethi" typeface="Nyala"/>
-        <a:font script="Beng" typeface="Vrinda"/>
-        <a:font script="Gujr" typeface="Shruti"/>
-        <a:font script="Khmr" typeface="DaunPenh"/>
-        <a:font script="Knda" typeface="Tunga"/>
-        <a:font script="Guru" typeface="Raavi"/>
-        <a:font script="Cans" typeface="Euphemia"/>
-        <a:font script="Cher" typeface="Plantagenet Cherokee"/>
-        <a:font script="Yiii" typeface="Microsoft Yi Baiti"/>
-        <a:font script="Tibt" typeface="Microsoft Himalaya"/>
-        <a:font script="Thaa" typeface="MV Boli"/>
-        <a:font script="Deva" typeface="Mangal"/>
-        <a:font script="Telu" typeface="Gautami"/>
-        <a:font script="Taml" typeface="Latha"/>
-        <a:font script="Syrc" typeface="Estrangelo Edessa"/>
-        <a:font script="Orya" typeface="Kalinga"/>
-        <a:font script="Mlym" typeface="Kartika"/>
-        <a:font script="Laoo" typeface="DokChampa"/>
-        <a:font script="Sinh" typeface="Iskoola Pota"/>
-        <a:font script="Mong" typeface="Mongolian Baiti"/>
-        <a:font script="Viet" typeface="Arial"/>
-        <a:font script="Uigh" typeface="Microsoft Uighur"/>
-        <a:font script="Geor" typeface="Sylfaen"/>
-        <a:font script="Armn" typeface="Arial"/>
-        <a:font script="Bugi" typeface="Leelawadee UI"/>
-        <a:font script="Bopo" typeface="Microsoft JhengHei"/>
-        <a:font script="Java" typeface="Javanese Text"/>
-        <a:font script="Lisu" typeface="Segoe UI"/>
-        <a:font script="Mymr" typeface="Myanmar Text"/>
-        <a:font script="Nkoo" typeface="Ebrima"/>
-        <a:font script="Olck" typeface="Nirmala UI"/>
-        <a:font script="Osma" typeface="Ebrima"/>
-        <a:font script="Phag" typeface="Phagspa"/>
-        <a:font script="Syrn" typeface="Estrangelo Edessa"/>
-        <a:font script="Syrj" typeface="Estrangelo Edessa"/>
-        <a:font script="Syre" typeface="Estrangelo Edessa"/>
-        <a:font script="Sora" typeface="Nirmala UI"/>
-        <a:font script="Tale" typeface="Microsoft Tai Le"/>
-        <a:font script="Talu" typeface="Microsoft New Tai Lue"/>
-        <a:font script="Tfng" typeface="Ebrima"/>
       </a:minorFont>
     </a:fontScheme>
     <a:fmtScheme name="Office">
@@ -4701,7 +5516,24 @@
       </a:bgFillStyleLst>
     </a:fmtScheme>
   </a:themeElements>
-  <a:objectDefaults/>
+  <a:objectDefaults>
+    <a:txDef>
+      <a:spPr>
+        <a:noFill/>
+      </a:spPr>
+      <a:bodyPr wrap="none" rtlCol="0">
+        <a:spAutoFit/>
+      </a:bodyPr>
+      <a:lstStyle>
+        <a:defPPr algn="l">
+          <a:lnSpc>
+            <a:spcPct val="150000"/>
+          </a:lnSpc>
+          <a:defRPr sz="2400" smtClean="0"/>
+        </a:defPPr>
+      </a:lstStyle>
+    </a:txDef>
+  </a:objectDefaults>
   <a:extraClrSchemeLst/>
   <a:extLst>
     <a:ext uri="{05A4C25C-085E-4340-85A3-A5531E510DB2}">
